--- a/CalendarioAgo20/Presentaciones/5_Funciones_Procedimientos.pptx
+++ b/CalendarioAgo20/Presentaciones/5_Funciones_Procedimientos.pptx
@@ -235,7 +235,7 @@
           <a:p>
             <a:fld id="{DDE721D5-655F-45D2-B717-3C4CD78C8568}" type="datetimeFigureOut">
               <a:rPr lang="es-MX" smtClean="0"/>
-              <a:t>14/02/2019</a:t>
+              <a:t>07/09/2020</a:t>
             </a:fld>
             <a:endParaRPr lang="es-MX" dirty="0"/>
           </a:p>
@@ -1020,7 +1020,7 @@
           <a:p>
             <a:fld id="{B3F3E716-CACC-4490-AD07-F24B6A68DE47}" type="datetimeFigureOut">
               <a:rPr lang="es-MX" smtClean="0"/>
-              <a:t>14/02/2019</a:t>
+              <a:t>07/09/2020</a:t>
             </a:fld>
             <a:endParaRPr lang="es-MX" dirty="0"/>
           </a:p>
@@ -1190,7 +1190,7 @@
           <a:p>
             <a:fld id="{B3F3E716-CACC-4490-AD07-F24B6A68DE47}" type="datetimeFigureOut">
               <a:rPr lang="es-MX" smtClean="0"/>
-              <a:t>14/02/2019</a:t>
+              <a:t>07/09/2020</a:t>
             </a:fld>
             <a:endParaRPr lang="es-MX" dirty="0"/>
           </a:p>
@@ -1370,7 +1370,7 @@
           <a:p>
             <a:fld id="{B3F3E716-CACC-4490-AD07-F24B6A68DE47}" type="datetimeFigureOut">
               <a:rPr lang="es-MX" smtClean="0"/>
-              <a:t>14/02/2019</a:t>
+              <a:t>07/09/2020</a:t>
             </a:fld>
             <a:endParaRPr lang="es-MX" dirty="0"/>
           </a:p>
@@ -1768,7 +1768,7 @@
           <a:p>
             <a:fld id="{B3F3E716-CACC-4490-AD07-F24B6A68DE47}" type="datetimeFigureOut">
               <a:rPr lang="es-MX" smtClean="0"/>
-              <a:t>14/02/2019</a:t>
+              <a:t>07/09/2020</a:t>
             </a:fld>
             <a:endParaRPr lang="es-MX" dirty="0"/>
           </a:p>
@@ -2014,7 +2014,7 @@
           <a:p>
             <a:fld id="{B3F3E716-CACC-4490-AD07-F24B6A68DE47}" type="datetimeFigureOut">
               <a:rPr lang="es-MX" smtClean="0"/>
-              <a:t>14/02/2019</a:t>
+              <a:t>07/09/2020</a:t>
             </a:fld>
             <a:endParaRPr lang="es-MX" dirty="0"/>
           </a:p>
@@ -2302,7 +2302,7 @@
           <a:p>
             <a:fld id="{B3F3E716-CACC-4490-AD07-F24B6A68DE47}" type="datetimeFigureOut">
               <a:rPr lang="es-MX" smtClean="0"/>
-              <a:t>14/02/2019</a:t>
+              <a:t>07/09/2020</a:t>
             </a:fld>
             <a:endParaRPr lang="es-MX" dirty="0"/>
           </a:p>
@@ -2724,7 +2724,7 @@
           <a:p>
             <a:fld id="{B3F3E716-CACC-4490-AD07-F24B6A68DE47}" type="datetimeFigureOut">
               <a:rPr lang="es-MX" smtClean="0"/>
-              <a:t>14/02/2019</a:t>
+              <a:t>07/09/2020</a:t>
             </a:fld>
             <a:endParaRPr lang="es-MX" dirty="0"/>
           </a:p>
@@ -2842,7 +2842,7 @@
           <a:p>
             <a:fld id="{B3F3E716-CACC-4490-AD07-F24B6A68DE47}" type="datetimeFigureOut">
               <a:rPr lang="es-MX" smtClean="0"/>
-              <a:t>14/02/2019</a:t>
+              <a:t>07/09/2020</a:t>
             </a:fld>
             <a:endParaRPr lang="es-MX" dirty="0"/>
           </a:p>
@@ -2937,7 +2937,7 @@
           <a:p>
             <a:fld id="{B3F3E716-CACC-4490-AD07-F24B6A68DE47}" type="datetimeFigureOut">
               <a:rPr lang="es-MX" smtClean="0"/>
-              <a:t>14/02/2019</a:t>
+              <a:t>07/09/2020</a:t>
             </a:fld>
             <a:endParaRPr lang="es-MX" dirty="0"/>
           </a:p>
@@ -3214,7 +3214,7 @@
           <a:p>
             <a:fld id="{B3F3E716-CACC-4490-AD07-F24B6A68DE47}" type="datetimeFigureOut">
               <a:rPr lang="es-MX" smtClean="0"/>
-              <a:t>14/02/2019</a:t>
+              <a:t>07/09/2020</a:t>
             </a:fld>
             <a:endParaRPr lang="es-MX" dirty="0"/>
           </a:p>
@@ -3467,7 +3467,7 @@
           <a:p>
             <a:fld id="{B3F3E716-CACC-4490-AD07-F24B6A68DE47}" type="datetimeFigureOut">
               <a:rPr lang="es-MX" smtClean="0"/>
-              <a:t>14/02/2019</a:t>
+              <a:t>07/09/2020</a:t>
             </a:fld>
             <a:endParaRPr lang="es-MX" dirty="0"/>
           </a:p>
@@ -3680,7 +3680,7 @@
           <a:p>
             <a:fld id="{B3F3E716-CACC-4490-AD07-F24B6A68DE47}" type="datetimeFigureOut">
               <a:rPr lang="es-MX" smtClean="0"/>
-              <a:t>14/02/2019</a:t>
+              <a:t>07/09/2020</a:t>
             </a:fld>
             <a:endParaRPr lang="es-MX" dirty="0"/>
           </a:p>
@@ -6987,7 +6987,7 @@
                 </a:effectLst>
                 <a:latin typeface="Dom Casual" charset="0"/>
               </a:rPr>
-              <a:t>Actividad Grupal</a:t>
+              <a:t>Actividad grupal</a:t>
             </a:r>
           </a:p>
         </p:txBody>
@@ -12760,7 +12760,7 @@
                 </a:effectLst>
                 <a:latin typeface="Dom Casual" charset="0"/>
               </a:rPr>
-              <a:t>Actividad Grupal</a:t>
+              <a:t>Actividad grupal</a:t>
             </a:r>
           </a:p>
         </p:txBody>
@@ -14133,7 +14133,7 @@
         </p:nvSpPr>
         <p:spPr bwMode="auto">
           <a:xfrm>
-            <a:off x="972517" y="1844675"/>
+            <a:off x="972517" y="1567212"/>
             <a:ext cx="7127875" cy="1815882"/>
           </a:xfrm>
           <a:prstGeom prst="rect">
@@ -14246,7 +14246,7 @@
         </p:nvSpPr>
         <p:spPr bwMode="auto">
           <a:xfrm>
-            <a:off x="971601" y="538111"/>
+            <a:off x="971601" y="260648"/>
             <a:ext cx="6984775" cy="990600"/>
           </a:xfrm>
           <a:prstGeom prst="rect">
@@ -14269,7 +14269,7 @@
             <a:r>
               <a:rPr lang="es-ES_tradnl" sz="4400" b="1" dirty="0">
                 <a:solidFill>
-                  <a:srgbClr val="D60093"/>
+                  <a:srgbClr val="0070C0"/>
                 </a:solidFill>
                 <a:effectLst>
                   <a:outerShdw blurRad="38100" dist="38100" dir="2700000" algn="tl">
@@ -14278,25 +14278,19 @@
                 </a:effectLst>
                 <a:latin typeface="Dom Casual" charset="0"/>
               </a:rPr>
-              <a:t>Actividad colaborativa</a:t>
-            </a:r>
-          </a:p>
-          <a:p>
-            <a:pPr algn="ctr" eaLnBrk="0" hangingPunct="0"/>
-            <a:r>
-              <a:rPr lang="es-ES_tradnl" sz="2400" b="1" dirty="0">
-                <a:solidFill>
-                  <a:srgbClr val="0070C0"/>
-                </a:solidFill>
-                <a:effectLst>
-                  <a:outerShdw blurRad="38100" dist="38100" dir="2700000" algn="tl">
-                    <a:srgbClr val="C0C0C0"/>
-                  </a:outerShdw>
-                </a:effectLst>
-                <a:latin typeface="Dom Casual" charset="0"/>
-              </a:rPr>
-              <a:t>(3 minutos)</a:t>
-            </a:r>
+              <a:t>Actividad grupal</a:t>
+            </a:r>
+            <a:endParaRPr lang="es-ES_tradnl" sz="2400" b="1" dirty="0">
+              <a:solidFill>
+                <a:srgbClr val="0070C0"/>
+              </a:solidFill>
+              <a:effectLst>
+                <a:outerShdw blurRad="38100" dist="38100" dir="2700000" algn="tl">
+                  <a:srgbClr val="C0C0C0"/>
+                </a:outerShdw>
+              </a:effectLst>
+              <a:latin typeface="Dom Casual" charset="0"/>
+            </a:endParaRPr>
           </a:p>
         </p:txBody>
       </p:sp>
@@ -14323,7 +14317,7 @@
         </p:blipFill>
         <p:spPr bwMode="auto">
           <a:xfrm>
-            <a:off x="2771800" y="3717032"/>
+            <a:off x="2771800" y="3439569"/>
             <a:ext cx="3644625" cy="3035341"/>
           </a:xfrm>
           <a:prstGeom prst="rect">
@@ -16445,7 +16439,7 @@
                 </a:effectLst>
                 <a:latin typeface="Dom Casual" charset="0"/>
               </a:rPr>
-              <a:t>Actividad Grupal</a:t>
+              <a:t>Actividad grupal</a:t>
             </a:r>
           </a:p>
         </p:txBody>
